--- a/translations/en-us/beginner/ViewNXT.pptx
+++ b/translations/en-us/beginner/ViewNXT.pptx
@@ -1361,7 +1361,7 @@
           <a:noFill/>
           <a:extLst>
             <a:ext uri="{909E8E84-426E-40dd-AFC4-6F175D3DCCD1}">
-              <a14:hiddenFill xmlns="" xmlns:a14="http://schemas.microsoft.com/office/drawing/2010/main">
+              <a14:hiddenFill xmlns:a14="http://schemas.microsoft.com/office/drawing/2010/main" xmlns="">
                 <a:solidFill>
                   <a:srgbClr val="FFFFFF"/>
                 </a:solidFill>
@@ -7822,15 +7822,7 @@
           <a:p>
             <a:r>
               <a:rPr lang="en-US" dirty="0" smtClean="0"/>
-              <a:t>View </a:t>
-            </a:r>
-            <a:r>
-              <a:rPr lang="en-US" dirty="0" smtClean="0"/>
-              <a:t>&amp; Using Sensor </a:t>
-            </a:r>
-            <a:r>
-              <a:rPr lang="en-US" dirty="0" smtClean="0"/>
-              <a:t>Data (NXT)</a:t>
+              <a:t>View &amp; Using Sensor Data (NXT)</a:t>
             </a:r>
             <a:endParaRPr lang="en-US" dirty="0"/>
           </a:p>
@@ -7973,15 +7965,23 @@
             </a:pPr>
             <a:r>
               <a:rPr lang="en-US" dirty="0"/>
-              <a:t>Learn how to use Port View on the </a:t>
+              <a:t>Learn how to </a:t>
+            </a:r>
+            <a:r>
+              <a:rPr lang="en-US"/>
+              <a:t>use </a:t>
+            </a:r>
+            <a:r>
+              <a:rPr lang="en-US" smtClean="0"/>
+              <a:t>View </a:t>
+            </a:r>
+            <a:r>
+              <a:rPr lang="en-US" dirty="0"/>
+              <a:t>on the </a:t>
             </a:r>
             <a:r>
               <a:rPr lang="en-US" dirty="0" smtClean="0"/>
-              <a:t>NXT </a:t>
-            </a:r>
-            <a:r>
-              <a:rPr lang="en-US" dirty="0" smtClean="0"/>
-              <a:t>Brick</a:t>
+              <a:t>NXT Brick</a:t>
             </a:r>
           </a:p>
           <a:p>
@@ -7991,15 +7991,7 @@
             </a:pPr>
             <a:r>
               <a:rPr lang="en-US" dirty="0" smtClean="0"/>
-              <a:t>Learn some examples of when and where </a:t>
-            </a:r>
-            <a:r>
-              <a:rPr lang="en-US" dirty="0" smtClean="0"/>
-              <a:t>View </a:t>
-            </a:r>
-            <a:r>
-              <a:rPr lang="en-US" dirty="0" smtClean="0"/>
-              <a:t>would be useful</a:t>
+              <a:t>Learn some examples of when and where View would be useful</a:t>
             </a:r>
           </a:p>
           <a:p>
@@ -8009,11 +8001,7 @@
             </a:pPr>
             <a:r>
               <a:rPr lang="en-US" dirty="0" smtClean="0"/>
-              <a:t>Try to solve some common problems using </a:t>
-            </a:r>
-            <a:r>
-              <a:rPr lang="en-US" dirty="0" smtClean="0"/>
-              <a:t>View</a:t>
+              <a:t>Try to solve some common problems using View</a:t>
             </a:r>
             <a:endParaRPr lang="en-US" dirty="0"/>
           </a:p>
@@ -8175,11 +8163,7 @@
           <a:p>
             <a:r>
               <a:rPr lang="en-US" dirty="0" smtClean="0"/>
-              <a:t>VIEW </a:t>
-            </a:r>
-            <a:r>
-              <a:rPr lang="en-US" dirty="0" smtClean="0"/>
-              <a:t>is an easy way to access SENSOR DATA!</a:t>
+              <a:t>VIEW is an easy way to access SENSOR DATA!</a:t>
             </a:r>
           </a:p>
           <a:p>
@@ -8257,15 +8241,7 @@
           <a:p>
             <a:r>
               <a:rPr lang="en-US" dirty="0" smtClean="0"/>
-              <a:t>How do you get </a:t>
-            </a:r>
-            <a:r>
-              <a:rPr lang="en-US" dirty="0" smtClean="0"/>
-              <a:t>to View</a:t>
-            </a:r>
-            <a:r>
-              <a:rPr lang="en-US" dirty="0" smtClean="0"/>
-              <a:t>?</a:t>
+              <a:t>How do you get to View?</a:t>
             </a:r>
             <a:endParaRPr lang="en-US" dirty="0"/>
           </a:p>
@@ -8341,21 +8317,8 @@
                   <a:srgbClr val="00B900"/>
                 </a:solidFill>
               </a:rPr>
-              <a:t> on the brick </a:t>
-            </a:r>
-            <a:r>
-              <a:rPr lang="en-US" sz="1800" b="0" dirty="0" smtClean="0">
-                <a:solidFill>
-                  <a:srgbClr val="00B900"/>
-                </a:solidFill>
-              </a:rPr>
-              <a:t>until you see “View”</a:t>
-            </a:r>
-            <a:endParaRPr lang="en-US" sz="1800" b="0" dirty="0" smtClean="0">
-              <a:solidFill>
-                <a:srgbClr val="00B900"/>
-              </a:solidFill>
-            </a:endParaRPr>
+              <a:t> on the brick until you see “View”</a:t>
+            </a:r>
           </a:p>
           <a:p>
             <a:pPr marL="800100" lvl="1" indent="-342900">
@@ -8401,15 +8364,7 @@
                   <a:srgbClr val="7030A0"/>
                 </a:solidFill>
               </a:rPr>
-              <a:t>Use the Left and Right Buttons to pick the </a:t>
-            </a:r>
-            <a:r>
-              <a:rPr lang="en-US" sz="1800" dirty="0" smtClean="0">
-                <a:solidFill>
-                  <a:srgbClr val="7030A0"/>
-                </a:solidFill>
-              </a:rPr>
-              <a:t>sensor data you want to see</a:t>
+              <a:t>Use the Left and Right Buttons to pick the sensor data you want to see</a:t>
             </a:r>
             <a:endParaRPr lang="en-US" sz="1800" dirty="0"/>
           </a:p>
@@ -8592,11 +8547,7 @@
           <a:p>
             <a:r>
               <a:rPr lang="en-US" dirty="0" smtClean="0"/>
-              <a:t>WHAT YOU SEE </a:t>
-            </a:r>
-            <a:r>
-              <a:rPr lang="en-US" dirty="0" smtClean="0"/>
-              <a:t>in VIEW</a:t>
+              <a:t>WHAT YOU SEE in VIEW</a:t>
             </a:r>
             <a:endParaRPr lang="en-US" dirty="0"/>
           </a:p>
@@ -8660,11 +8611,6 @@
               </a:rPr>
               <a:t>.</a:t>
             </a:r>
-            <a:endParaRPr lang="en-US" dirty="0" smtClean="0">
-              <a:solidFill>
-                <a:srgbClr val="FFC000"/>
-              </a:solidFill>
-            </a:endParaRPr>
           </a:p>
         </p:txBody>
       </p:sp>
@@ -9005,11 +8951,7 @@
           <a:p>
             <a:r>
               <a:rPr lang="en-US" dirty="0" smtClean="0"/>
-              <a:t>VIEW </a:t>
-            </a:r>
-            <a:r>
-              <a:rPr lang="en-US" dirty="0" smtClean="0"/>
-              <a:t>IS POWERFUL</a:t>
+              <a:t>VIEW IS POWERFUL</a:t>
             </a:r>
             <a:endParaRPr lang="en-US" dirty="0"/>
           </a:p>
@@ -9037,29 +8979,13 @@
           <a:p>
             <a:r>
               <a:rPr lang="en-US" dirty="0" smtClean="0"/>
-              <a:t>As you go through the rest of the lessons on EV3Lessons.com, you will </a:t>
-            </a:r>
+              <a:t>As you go through the rest of the lessons on EV3Lessons.com, you will use View often</a:t>
+            </a:r>
+          </a:p>
+          <a:p>
             <a:r>
               <a:rPr lang="en-US" dirty="0" smtClean="0"/>
-              <a:t>use </a:t>
-            </a:r>
-            <a:r>
-              <a:rPr lang="en-US" dirty="0" smtClean="0"/>
-              <a:t>View often</a:t>
-            </a:r>
-          </a:p>
-          <a:p>
-            <a:r>
-              <a:rPr lang="en-US" dirty="0" smtClean="0"/>
-              <a:t>As you complete each challenge, think about </a:t>
-            </a:r>
-            <a:r>
-              <a:rPr lang="en-US" dirty="0" smtClean="0"/>
-              <a:t>how View </a:t>
-            </a:r>
-            <a:r>
-              <a:rPr lang="en-US" dirty="0" smtClean="0"/>
-              <a:t>might help you.</a:t>
+              <a:t>As you complete each challenge, think about how View might help you.</a:t>
             </a:r>
           </a:p>
           <a:p>
@@ -9143,11 +9069,7 @@
           <a:p>
             <a:r>
               <a:rPr lang="en-US" dirty="0" smtClean="0"/>
-              <a:t>OTHER PROBLEMS YOU CAN SOLVE </a:t>
-            </a:r>
-            <a:r>
-              <a:rPr lang="en-US" dirty="0" smtClean="0"/>
-              <a:t>WITH VIEW</a:t>
+              <a:t>OTHER PROBLEMS YOU CAN SOLVE WITH VIEW</a:t>
             </a:r>
             <a:endParaRPr lang="en-US" dirty="0"/>
           </a:p>
@@ -9597,7 +9519,7 @@
           <a:effectLst/>
           <a:extLst>
             <a:ext uri="{91240B29-F687-4f45-9708-019B960494DF}">
-              <a14:hiddenLine xmlns="" xmlns:a14="http://schemas.microsoft.com/office/drawing/2010/main" w="9525">
+              <a14:hiddenLine xmlns:a14="http://schemas.microsoft.com/office/drawing/2010/main" xmlns="" w="9525">
                 <a:solidFill>
                   <a:schemeClr val="tx1"/>
                 </a:solidFill>
@@ -9607,7 +9529,7 @@
               </a14:hiddenLine>
             </a:ext>
             <a:ext uri="{AF507438-7753-43e0-B8FC-AC1667EBCBE1}">
-              <a14:hiddenEffects xmlns="" xmlns:a14="http://schemas.microsoft.com/office/drawing/2010/main">
+              <a14:hiddenEffects xmlns:a14="http://schemas.microsoft.com/office/drawing/2010/main" xmlns="">
                 <a:effectLst>
                   <a:outerShdw dist="35921" dir="2700000" algn="ctr" rotWithShape="0">
                     <a:schemeClr val="bg2"/>
@@ -9960,7 +9882,7 @@
           <a:noFill/>
           <a:extLst>
             <a:ext uri="{909E8E84-426E-40dd-AFC4-6F175D3DCCD1}">
-              <a14:hiddenFill xmlns="" xmlns:a14="http://schemas.microsoft.com/office/drawing/2010/main">
+              <a14:hiddenFill xmlns:a14="http://schemas.microsoft.com/office/drawing/2010/main" xmlns="">
                 <a:solidFill>
                   <a:srgbClr val="FFFFFF"/>
                 </a:solidFill>
